--- a/basic info/The OG Coders .pptx
+++ b/basic info/The OG Coders .pptx
@@ -5,7 +5,7 @@
     <p:sldMasterId id="2147483659" r:id="rId1"/>
   </p:sldMasterIdLst>
   <p:notesMasterIdLst>
-    <p:notesMasterId r:id="rId12"/>
+    <p:notesMasterId r:id="rId13"/>
   </p:notesMasterIdLst>
   <p:sldIdLst>
     <p:sldId id="256" r:id="rId2"/>
@@ -18,16 +18,17 @@
     <p:sldId id="263" r:id="rId9"/>
     <p:sldId id="264" r:id="rId10"/>
     <p:sldId id="265" r:id="rId11"/>
+    <p:sldId id="266" r:id="rId12"/>
   </p:sldIdLst>
   <p:sldSz cx="9144000" cy="5143500" type="screen16x9"/>
   <p:notesSz cx="6858000" cy="9144000"/>
   <p:embeddedFontLst>
     <p:embeddedFont>
       <p:font typeface="Google Sans" panose="020B0604020202020204" charset="0"/>
-      <p:regular r:id="rId13"/>
-      <p:bold r:id="rId14"/>
-      <p:italic r:id="rId15"/>
-      <p:boldItalic r:id="rId16"/>
+      <p:regular r:id="rId14"/>
+      <p:bold r:id="rId15"/>
+      <p:italic r:id="rId16"/>
+      <p:boldItalic r:id="rId17"/>
     </p:embeddedFont>
   </p:embeddedFontLst>
   <p:defaultTextStyle>
@@ -920,6 +921,133 @@
         </p:txBody>
       </p:sp>
     </p:spTree>
+  </p:cSld>
+  <p:clrMapOvr>
+    <a:masterClrMapping/>
+  </p:clrMapOvr>
+</p:notes>
+</file>
+
+<file path=ppt/notesSlides/notesSlide11.xml><?xml version="1.0" encoding="utf-8"?>
+<p:notes xmlns:a="http://schemas.openxmlformats.org/drawingml/2006/main" xmlns:r="http://schemas.openxmlformats.org/officeDocument/2006/relationships" xmlns:p="http://schemas.openxmlformats.org/presentationml/2006/main" showMasterSp="0" showMasterPhAnim="0">
+  <p:cSld>
+    <p:spTree>
+      <p:nvGrpSpPr>
+        <p:cNvPr id="1" name="Shape 122">
+          <a:extLst>
+            <a:ext uri="{FF2B5EF4-FFF2-40B4-BE49-F238E27FC236}">
+              <a16:creationId xmlns:a16="http://schemas.microsoft.com/office/drawing/2014/main" id="{D069BB77-1F6C-5B7B-24E3-19E0F997833C}"/>
+            </a:ext>
+          </a:extLst>
+        </p:cNvPr>
+        <p:cNvGrpSpPr/>
+        <p:nvPr/>
+      </p:nvGrpSpPr>
+      <p:grpSpPr>
+        <a:xfrm>
+          <a:off x="0" y="0"/>
+          <a:ext cx="0" cy="0"/>
+          <a:chOff x="0" y="0"/>
+          <a:chExt cx="0" cy="0"/>
+        </a:xfrm>
+      </p:grpSpPr>
+      <p:sp>
+        <p:nvSpPr>
+          <p:cNvPr id="123" name="Google Shape;123;g327e4dd2fce_0_77:notes">
+            <a:extLst>
+              <a:ext uri="{FF2B5EF4-FFF2-40B4-BE49-F238E27FC236}">
+                <a16:creationId xmlns:a16="http://schemas.microsoft.com/office/drawing/2014/main" id="{5A6149EB-E68F-7EC8-B00B-1A572E6C3D91}"/>
+              </a:ext>
+            </a:extLst>
+          </p:cNvPr>
+          <p:cNvSpPr>
+            <a:spLocks noGrp="1" noRot="1" noChangeAspect="1"/>
+          </p:cNvSpPr>
+          <p:nvPr>
+            <p:ph type="sldImg" idx="2"/>
+          </p:nvPr>
+        </p:nvSpPr>
+        <p:spPr>
+          <a:xfrm>
+            <a:off x="381000" y="685800"/>
+            <a:ext cx="6096000" cy="3429000"/>
+          </a:xfrm>
+          <a:custGeom>
+            <a:avLst/>
+            <a:gdLst/>
+            <a:ahLst/>
+            <a:cxnLst/>
+            <a:rect l="l" t="t" r="r" b="b"/>
+            <a:pathLst>
+              <a:path w="120000" h="120000" extrusionOk="0">
+                <a:moveTo>
+                  <a:pt x="0" y="0"/>
+                </a:moveTo>
+                <a:lnTo>
+                  <a:pt x="120000" y="0"/>
+                </a:lnTo>
+                <a:lnTo>
+                  <a:pt x="120000" y="120000"/>
+                </a:lnTo>
+                <a:lnTo>
+                  <a:pt x="0" y="120000"/>
+                </a:lnTo>
+                <a:close/>
+              </a:path>
+            </a:pathLst>
+          </a:custGeom>
+        </p:spPr>
+      </p:sp>
+      <p:sp>
+        <p:nvSpPr>
+          <p:cNvPr id="124" name="Google Shape;124;g327e4dd2fce_0_77:notes">
+            <a:extLst>
+              <a:ext uri="{FF2B5EF4-FFF2-40B4-BE49-F238E27FC236}">
+                <a16:creationId xmlns:a16="http://schemas.microsoft.com/office/drawing/2014/main" id="{93DC8B98-4125-449F-4BF1-546103CC94B8}"/>
+              </a:ext>
+            </a:extLst>
+          </p:cNvPr>
+          <p:cNvSpPr txBox="1">
+            <a:spLocks noGrp="1"/>
+          </p:cNvSpPr>
+          <p:nvPr>
+            <p:ph type="body" idx="1"/>
+          </p:nvPr>
+        </p:nvSpPr>
+        <p:spPr>
+          <a:xfrm>
+            <a:off x="685800" y="4343400"/>
+            <a:ext cx="5486400" cy="4114800"/>
+          </a:xfrm>
+          <a:prstGeom prst="rect">
+            <a:avLst/>
+          </a:prstGeom>
+        </p:spPr>
+        <p:txBody>
+          <a:bodyPr spcFirstLastPara="1" wrap="square" lIns="91425" tIns="91425" rIns="91425" bIns="91425" anchor="t" anchorCtr="0">
+            <a:noAutofit/>
+          </a:bodyPr>
+          <a:lstStyle/>
+          <a:p>
+            <a:pPr marL="0" lvl="0" indent="0" algn="l" rtl="0">
+              <a:spcBef>
+                <a:spcPts val="0"/>
+              </a:spcBef>
+              <a:spcAft>
+                <a:spcPts val="0"/>
+              </a:spcAft>
+              <a:buNone/>
+            </a:pPr>
+            <a:endParaRPr/>
+          </a:p>
+        </p:txBody>
+      </p:sp>
+    </p:spTree>
+    <p:extLst>
+      <p:ext uri="{BB962C8B-B14F-4D97-AF65-F5344CB8AC3E}">
+        <p14:creationId xmlns:p14="http://schemas.microsoft.com/office/powerpoint/2010/main" val="364301696"/>
+      </p:ext>
+    </p:extLst>
   </p:cSld>
   <p:clrMapOvr>
     <a:masterClrMapping/>
@@ -6807,7 +6935,7 @@
         <p:spPr>
           <a:xfrm>
             <a:off x="806875" y="591550"/>
-            <a:ext cx="7519369" cy="3371100"/>
+            <a:ext cx="7734959" cy="3371100"/>
           </a:xfrm>
           <a:prstGeom prst="rect">
             <a:avLst/>
@@ -7108,9 +7236,236 @@
               <a:t>: MongoDB for storing user data, flagged content, and complaint records.</a:t>
             </a:r>
           </a:p>
+          <a:p>
+            <a:pPr>
+              <a:lnSpc>
+                <a:spcPct val="150000"/>
+              </a:lnSpc>
+              <a:buFont typeface="+mj-lt"/>
+              <a:buAutoNum type="arabicPeriod"/>
+            </a:pPr>
+            <a:r>
+              <a:rPr lang="en-US" b="1" dirty="0" err="1"/>
+              <a:t>Websockets</a:t>
+            </a:r>
+            <a:r>
+              <a:rPr lang="en-US" dirty="0"/>
+              <a:t> : we use </a:t>
+            </a:r>
+            <a:r>
+              <a:rPr lang="en-US" dirty="0" err="1"/>
+              <a:t>websockets</a:t>
+            </a:r>
+            <a:r>
+              <a:rPr lang="en-US" dirty="0"/>
+              <a:t> for real-time group chat among users in the group</a:t>
+            </a:r>
+            <a:endParaRPr lang="en-IN" dirty="0"/>
+          </a:p>
         </p:txBody>
       </p:sp>
     </p:spTree>
+  </p:cSld>
+  <p:clrMapOvr>
+    <a:masterClrMapping/>
+  </p:clrMapOvr>
+</p:sld>
+</file>
+
+<file path=ppt/slides/slide11.xml><?xml version="1.0" encoding="utf-8"?>
+<p:sld xmlns:a="http://schemas.openxmlformats.org/drawingml/2006/main" xmlns:r="http://schemas.openxmlformats.org/officeDocument/2006/relationships" xmlns:p="http://schemas.openxmlformats.org/presentationml/2006/main">
+  <p:cSld>
+    <p:spTree>
+      <p:nvGrpSpPr>
+        <p:cNvPr id="1" name="Shape 125">
+          <a:extLst>
+            <a:ext uri="{FF2B5EF4-FFF2-40B4-BE49-F238E27FC236}">
+              <a16:creationId xmlns:a16="http://schemas.microsoft.com/office/drawing/2014/main" id="{0A3EEA21-34A1-B4B7-24BF-FA6B8B5B4A8E}"/>
+            </a:ext>
+          </a:extLst>
+        </p:cNvPr>
+        <p:cNvGrpSpPr/>
+        <p:nvPr/>
+      </p:nvGrpSpPr>
+      <p:grpSpPr>
+        <a:xfrm>
+          <a:off x="0" y="0"/>
+          <a:ext cx="0" cy="0"/>
+          <a:chOff x="0" y="0"/>
+          <a:chExt cx="0" cy="0"/>
+        </a:xfrm>
+      </p:grpSpPr>
+      <p:sp>
+        <p:nvSpPr>
+          <p:cNvPr id="126" name="Google Shape;126;p22">
+            <a:extLst>
+              <a:ext uri="{FF2B5EF4-FFF2-40B4-BE49-F238E27FC236}">
+                <a16:creationId xmlns:a16="http://schemas.microsoft.com/office/drawing/2014/main" id="{B06FE1F4-BC04-8AF2-766C-C527B4134A2F}"/>
+              </a:ext>
+            </a:extLst>
+          </p:cNvPr>
+          <p:cNvSpPr txBox="1">
+            <a:spLocks noGrp="1"/>
+          </p:cNvSpPr>
+          <p:nvPr>
+            <p:ph type="ctrTitle"/>
+          </p:nvPr>
+        </p:nvSpPr>
+        <p:spPr>
+          <a:xfrm>
+            <a:off x="311708" y="744575"/>
+            <a:ext cx="8520600" cy="2052600"/>
+          </a:xfrm>
+          <a:prstGeom prst="rect">
+            <a:avLst/>
+          </a:prstGeom>
+        </p:spPr>
+        <p:txBody>
+          <a:bodyPr spcFirstLastPara="1" wrap="square" lIns="91425" tIns="91425" rIns="91425" bIns="91425" anchor="b" anchorCtr="0">
+            <a:normAutofit/>
+          </a:bodyPr>
+          <a:lstStyle/>
+          <a:p>
+            <a:pPr marL="0" lvl="0" indent="0" algn="ctr" rtl="0">
+              <a:spcBef>
+                <a:spcPts val="0"/>
+              </a:spcBef>
+              <a:spcAft>
+                <a:spcPts val="0"/>
+              </a:spcAft>
+              <a:buNone/>
+            </a:pPr>
+            <a:endParaRPr/>
+          </a:p>
+        </p:txBody>
+      </p:sp>
+      <p:sp>
+        <p:nvSpPr>
+          <p:cNvPr id="127" name="Google Shape;127;p22">
+            <a:extLst>
+              <a:ext uri="{FF2B5EF4-FFF2-40B4-BE49-F238E27FC236}">
+                <a16:creationId xmlns:a16="http://schemas.microsoft.com/office/drawing/2014/main" id="{EFEE4542-3174-C7AD-EEC5-040A1B91D573}"/>
+              </a:ext>
+            </a:extLst>
+          </p:cNvPr>
+          <p:cNvSpPr txBox="1">
+            <a:spLocks noGrp="1"/>
+          </p:cNvSpPr>
+          <p:nvPr>
+            <p:ph type="subTitle" idx="1"/>
+          </p:nvPr>
+        </p:nvSpPr>
+        <p:spPr>
+          <a:xfrm>
+            <a:off x="311700" y="2834125"/>
+            <a:ext cx="8520600" cy="792600"/>
+          </a:xfrm>
+          <a:prstGeom prst="rect">
+            <a:avLst/>
+          </a:prstGeom>
+        </p:spPr>
+        <p:txBody>
+          <a:bodyPr spcFirstLastPara="1" wrap="square" lIns="91425" tIns="91425" rIns="91425" bIns="91425" anchor="t" anchorCtr="0">
+            <a:normAutofit/>
+          </a:bodyPr>
+          <a:lstStyle/>
+          <a:p>
+            <a:pPr marL="0" lvl="0" indent="0" algn="ctr" rtl="0">
+              <a:spcBef>
+                <a:spcPts val="0"/>
+              </a:spcBef>
+              <a:spcAft>
+                <a:spcPts val="0"/>
+              </a:spcAft>
+              <a:buNone/>
+            </a:pPr>
+            <a:endParaRPr/>
+          </a:p>
+        </p:txBody>
+      </p:sp>
+      <p:pic>
+        <p:nvPicPr>
+          <p:cNvPr id="128" name="Google Shape;128;p22">
+            <a:extLst>
+              <a:ext uri="{FF2B5EF4-FFF2-40B4-BE49-F238E27FC236}">
+                <a16:creationId xmlns:a16="http://schemas.microsoft.com/office/drawing/2014/main" id="{40172A5B-6465-7A71-F862-6E8DC6161BFC}"/>
+              </a:ext>
+            </a:extLst>
+          </p:cNvPr>
+          <p:cNvPicPr preferRelativeResize="0"/>
+          <p:nvPr/>
+        </p:nvPicPr>
+        <p:blipFill rotWithShape="1">
+          <a:blip r:embed="rId3">
+            <a:alphaModFix/>
+          </a:blip>
+          <a:srcRect l="139" r="139"/>
+          <a:stretch/>
+        </p:blipFill>
+        <p:spPr>
+          <a:xfrm>
+            <a:off x="0" y="0"/>
+            <a:ext cx="9144000" cy="5143500"/>
+          </a:xfrm>
+          <a:prstGeom prst="rect">
+            <a:avLst/>
+          </a:prstGeom>
+          <a:noFill/>
+          <a:ln>
+            <a:noFill/>
+          </a:ln>
+        </p:spPr>
+      </p:pic>
+      <p:sp>
+        <p:nvSpPr>
+          <p:cNvPr id="129" name="Google Shape;129;p22">
+            <a:extLst>
+              <a:ext uri="{FF2B5EF4-FFF2-40B4-BE49-F238E27FC236}">
+                <a16:creationId xmlns:a16="http://schemas.microsoft.com/office/drawing/2014/main" id="{C008FBA8-82B8-A488-C628-462F3E1921A7}"/>
+              </a:ext>
+            </a:extLst>
+          </p:cNvPr>
+          <p:cNvSpPr txBox="1"/>
+          <p:nvPr/>
+        </p:nvSpPr>
+        <p:spPr>
+          <a:xfrm>
+            <a:off x="806875" y="591550"/>
+            <a:ext cx="7734959" cy="3371100"/>
+          </a:xfrm>
+          <a:prstGeom prst="rect">
+            <a:avLst/>
+          </a:prstGeom>
+          <a:noFill/>
+          <a:ln>
+            <a:noFill/>
+          </a:ln>
+        </p:spPr>
+        <p:txBody>
+          <a:bodyPr spcFirstLastPara="1" wrap="square" lIns="91425" tIns="91425" rIns="91425" bIns="91425" anchor="t" anchorCtr="0">
+            <a:noAutofit/>
+          </a:bodyPr>
+          <a:lstStyle/>
+          <a:p>
+            <a:pPr marL="0" lvl="0" indent="0" algn="l" rtl="0">
+              <a:spcBef>
+                <a:spcPts val="0"/>
+              </a:spcBef>
+              <a:spcAft>
+                <a:spcPts val="0"/>
+              </a:spcAft>
+              <a:buNone/>
+            </a:pPr>
+            <a:endParaRPr lang="en-IN" dirty="0"/>
+          </a:p>
+        </p:txBody>
+      </p:sp>
+    </p:spTree>
+    <p:extLst>
+      <p:ext uri="{BB962C8B-B14F-4D97-AF65-F5344CB8AC3E}">
+        <p14:creationId xmlns:p14="http://schemas.microsoft.com/office/powerpoint/2010/main" val="1149398212"/>
+      </p:ext>
+    </p:extLst>
   </p:cSld>
   <p:clrMapOvr>
     <a:masterClrMapping/>
@@ -7246,7 +7601,7 @@
         </p:nvSpPr>
         <p:spPr>
           <a:xfrm>
-            <a:off x="753832" y="978000"/>
+            <a:off x="590281" y="866488"/>
             <a:ext cx="8774100" cy="3187500"/>
           </a:xfrm>
           <a:prstGeom prst="rect">
@@ -7385,34 +7740,7 @@
                 <a:cs typeface="Google Sans"/>
                 <a:sym typeface="Google Sans"/>
               </a:rPr>
-              <a:t> Chaitanya naga </a:t>
-            </a:r>
-            <a:r>
-              <a:rPr lang="en-GB" sz="1800" b="1" dirty="0" err="1">
-                <a:latin typeface="Google Sans"/>
-                <a:ea typeface="Google Sans"/>
-                <a:cs typeface="Google Sans"/>
-                <a:sym typeface="Google Sans"/>
-              </a:rPr>
-              <a:t>satya</a:t>
-            </a:r>
-            <a:r>
-              <a:rPr lang="en-GB" sz="1800" b="1" dirty="0">
-                <a:latin typeface="Google Sans"/>
-                <a:ea typeface="Google Sans"/>
-                <a:cs typeface="Google Sans"/>
-                <a:sym typeface="Google Sans"/>
-              </a:rPr>
-              <a:t> </a:t>
-            </a:r>
-            <a:r>
-              <a:rPr lang="en-GB" sz="1800" b="1" dirty="0" err="1">
-                <a:latin typeface="Google Sans"/>
-                <a:ea typeface="Google Sans"/>
-                <a:cs typeface="Google Sans"/>
-                <a:sym typeface="Google Sans"/>
-              </a:rPr>
-              <a:t>charan</a:t>
+              <a:t> Chaitanya Naga Satya Charan</a:t>
             </a:r>
             <a:endParaRPr sz="1800" b="1" dirty="0">
               <a:latin typeface="Google Sans"/>
@@ -7700,8 +8028,8 @@
         </p:nvSpPr>
         <p:spPr>
           <a:xfrm>
-            <a:off x="991725" y="841675"/>
-            <a:ext cx="7527807" cy="3187500"/>
+            <a:off x="634886" y="602853"/>
+            <a:ext cx="8100236" cy="3826969"/>
           </a:xfrm>
           <a:prstGeom prst="rect">
             <a:avLst/>
@@ -7754,10 +8082,12 @@
             </a:endParaRPr>
           </a:p>
           <a:p>
-            <a:pPr>
+            <a:pPr marL="285750" indent="-285750">
               <a:lnSpc>
                 <a:spcPct val="150000"/>
               </a:lnSpc>
+              <a:buFont typeface="Arial" panose="020B0604020202020204" pitchFamily="34" charset="0"/>
+              <a:buChar char="•"/>
             </a:pPr>
             <a:r>
               <a:rPr lang="en-US" sz="1600" dirty="0"/>
@@ -7769,7 +8099,33 @@
             </a:r>
             <a:r>
               <a:rPr lang="en-US" sz="1600" dirty="0"/>
-              <a:t> to address the escalating issue of online harms such as cyberbullying, misinformation, and hate speech. The solution leverages cutting-edge machine learning, NLP, and generative AI to detect, moderate, and prevent harmful content in real-time. By combining innovative features like automated </a:t>
+              <a:t> to address the escalating issue of online harms. </a:t>
+            </a:r>
+          </a:p>
+          <a:p>
+            <a:pPr marL="285750" indent="-285750">
+              <a:lnSpc>
+                <a:spcPct val="150000"/>
+              </a:lnSpc>
+              <a:buFont typeface="Arial" panose="020B0604020202020204" pitchFamily="34" charset="0"/>
+              <a:buChar char="•"/>
+            </a:pPr>
+            <a:r>
+              <a:rPr lang="en-US" sz="1600" dirty="0"/>
+              <a:t>The solution leverages machine learning, NLP, generative AI to detect, moderate,   and prevent harmful content .</a:t>
+            </a:r>
+          </a:p>
+          <a:p>
+            <a:pPr marL="285750" indent="-285750">
+              <a:lnSpc>
+                <a:spcPct val="150000"/>
+              </a:lnSpc>
+              <a:buFont typeface="Arial" panose="020B0604020202020204" pitchFamily="34" charset="0"/>
+              <a:buChar char="•"/>
+            </a:pPr>
+            <a:r>
+              <a:rPr lang="en-US" sz="1600" dirty="0"/>
+              <a:t>By combining automated </a:t>
             </a:r>
             <a:r>
               <a:rPr lang="en-US" sz="1600" b="1" dirty="0"/>
@@ -7785,20 +8141,55 @@
             </a:r>
             <a:r>
               <a:rPr lang="en-US" sz="1600" dirty="0"/>
-              <a:t>, multilingual support, and user-driven reporting mechanisms, this platform aims to create a safer and more inclusive online community.</a:t>
-            </a:r>
-          </a:p>
-          <a:p>
-            <a:pPr marL="0" lvl="0" indent="0" algn="l" rtl="0">
-              <a:spcBef>
-                <a:spcPts val="0"/>
-              </a:spcBef>
-              <a:spcAft>
-                <a:spcPts val="0"/>
-              </a:spcAft>
-              <a:buNone/>
-            </a:pPr>
-            <a:endParaRPr sz="1800" b="1" dirty="0"/>
+              <a:t>, </a:t>
+            </a:r>
+            <a:r>
+              <a:rPr lang="en-US" sz="1600" b="1" dirty="0"/>
+              <a:t>multilingual</a:t>
+            </a:r>
+            <a:r>
+              <a:rPr lang="en-US" sz="1600" dirty="0"/>
+              <a:t> support, and user reporting mechanisms, we aim to create a safer inclusive online community.</a:t>
+            </a:r>
+            <a:endParaRPr lang="en-US" sz="1800" b="1" dirty="0"/>
+          </a:p>
+          <a:p>
+            <a:pPr marL="285750" indent="-285750">
+              <a:lnSpc>
+                <a:spcPct val="150000"/>
+              </a:lnSpc>
+              <a:buFont typeface="Arial" panose="020B0604020202020204" pitchFamily="34" charset="0"/>
+              <a:buChar char="•"/>
+            </a:pPr>
+            <a:r>
+              <a:rPr lang="en-US" sz="1800" b="1" dirty="0">
+                <a:solidFill>
+                  <a:srgbClr val="FF0000"/>
+                </a:solidFill>
+              </a:rPr>
+              <a:t>Live link </a:t>
+            </a:r>
+            <a:r>
+              <a:rPr lang="en-US" sz="1800" b="1" dirty="0"/>
+              <a:t>- </a:t>
+            </a:r>
+            <a:r>
+              <a:rPr lang="en-US" sz="1800" b="1" dirty="0">
+                <a:solidFill>
+                  <a:schemeClr val="accent1">
+                    <a:lumMod val="75000"/>
+                  </a:schemeClr>
+                </a:solidFill>
+              </a:rPr>
+              <a:t>https://safecyber.vercel.app/</a:t>
+            </a:r>
+            <a:endParaRPr lang="en-US" sz="1600" dirty="0">
+              <a:solidFill>
+                <a:schemeClr val="accent1">
+                  <a:lumMod val="75000"/>
+                </a:schemeClr>
+              </a:solidFill>
+            </a:endParaRPr>
           </a:p>
         </p:txBody>
       </p:sp>
@@ -8052,7 +8443,15 @@
             </a:r>
             <a:r>
               <a:rPr lang="en-US" sz="1600" dirty="0"/>
-              <a:t>: Features such as humor detection to differentiate between unintentional harm, a group chat system with dynamic tagging, and complaint submission portals make this platform unique.</a:t>
+              <a:t>: Features such as humor detection to differentiate between unintentional harm, a </a:t>
+            </a:r>
+            <a:r>
+              <a:rPr lang="en-US" sz="1600" b="1" dirty="0"/>
+              <a:t>group chat </a:t>
+            </a:r>
+            <a:r>
+              <a:rPr lang="en-US" sz="1600" dirty="0"/>
+              <a:t>system with dynamic tagging, and complaint submission portals make this platform unique.</a:t>
             </a:r>
           </a:p>
           <a:p>
@@ -8393,7 +8792,15 @@
             </a:r>
             <a:r>
               <a:rPr lang="en-US" sz="1600" dirty="0"/>
-              <a:t>: Content filtering for group chats and post submissions ensures harmful content is addressed before it reaches users.</a:t>
+              <a:t>: Content filtering for group chats and post submissions ensures harmful content is addressed </a:t>
+            </a:r>
+            <a:r>
+              <a:rPr lang="en-US" sz="1600" b="1" dirty="0"/>
+              <a:t>before</a:t>
+            </a:r>
+            <a:r>
+              <a:rPr lang="en-US" sz="1600" dirty="0"/>
+              <a:t> it reaches users.</a:t>
             </a:r>
           </a:p>
           <a:p>
@@ -8717,19 +9124,35 @@
             </a:pPr>
             <a:r>
               <a:rPr lang="en-IN" b="1" dirty="0"/>
-              <a:t>Innovative Features</a:t>
+              <a:t>Bully-free Group chats</a:t>
             </a:r>
             <a:r>
               <a:rPr lang="en-IN" dirty="0"/>
-              <a:t>: </a:t>
-            </a:r>
-            <a:r>
-              <a:rPr lang="en-IN" dirty="0" err="1"/>
-              <a:t>Humor</a:t>
+              <a:t>: The </a:t>
+            </a:r>
+            <a:r>
+              <a:rPr lang="en-US" dirty="0"/>
+              <a:t>messages by the users in group will be tracked in </a:t>
+            </a:r>
+            <a:r>
+              <a:rPr lang="en-US" b="1" dirty="0"/>
+              <a:t>real time</a:t>
+            </a:r>
+            <a:r>
+              <a:rPr lang="en-US" dirty="0"/>
+              <a:t> for any cyberbully content and </a:t>
+            </a:r>
+            <a:r>
+              <a:rPr lang="en-US" b="1" dirty="0"/>
+              <a:t>blocks</a:t>
+            </a:r>
+            <a:r>
+              <a:rPr lang="en-US" dirty="0"/>
+              <a:t> the harmful content</a:t>
             </a:r>
             <a:r>
               <a:rPr lang="en-IN" dirty="0"/>
-              <a:t> detection, dynamic group chat tagging, and user complaint mechanisms.</a:t>
+              <a:t>.</a:t>
             </a:r>
           </a:p>
           <a:p>
@@ -9002,7 +9425,7 @@
             </a:r>
             <a:r>
               <a:rPr lang="en-GB" dirty="0"/>
-              <a:t>: 1. Replace cuss words with ‘***’.</a:t>
+              <a:t>: 1. Replace bad words with ‘***’ or block data.</a:t>
             </a:r>
           </a:p>
           <a:p>
@@ -9036,7 +9459,15 @@
             </a:r>
             <a:r>
               <a:rPr lang="en-GB" dirty="0"/>
-              <a:t>: 1.Real-time tagging of messages for misinformation and cuss words.</a:t>
+              <a:t>: 1.Tagging of messages for </a:t>
+            </a:r>
+            <a:r>
+              <a:rPr lang="en-GB" dirty="0" err="1"/>
+              <a:t>misinfo</a:t>
+            </a:r>
+            <a:r>
+              <a:rPr lang="en-GB" dirty="0"/>
+              <a:t> and bad words.</a:t>
             </a:r>
           </a:p>
           <a:p>
@@ -9108,7 +9539,15 @@
             </a:r>
             <a:r>
               <a:rPr lang="en-GB" dirty="0"/>
-              <a:t>: Direct user complaints to cybercrime authorities via email integration.</a:t>
+              <a:t>: Direct user complaints to cybercrime authorities via </a:t>
+            </a:r>
+            <a:r>
+              <a:rPr lang="en-GB" b="1" dirty="0"/>
+              <a:t>email integration</a:t>
+            </a:r>
+            <a:r>
+              <a:rPr lang="en-GB" dirty="0"/>
+              <a:t>.</a:t>
             </a:r>
           </a:p>
           <a:p>
@@ -9477,7 +9916,7 @@
         </p:blipFill>
         <p:spPr>
           <a:xfrm>
-            <a:off x="2411523" y="1107139"/>
+            <a:off x="1251795" y="1090907"/>
             <a:ext cx="3595267" cy="3412535"/>
           </a:xfrm>
           <a:prstGeom prst="rect">
@@ -9488,6 +9927,36 @@
               <a:schemeClr val="tx1"/>
             </a:solidFill>
           </a:ln>
+        </p:spPr>
+      </p:pic>
+      <p:pic>
+        <p:nvPicPr>
+          <p:cNvPr id="4" name="Picture 3" descr="A diagram of a server&#10;&#10;Description automatically generated">
+            <a:extLst>
+              <a:ext uri="{FF2B5EF4-FFF2-40B4-BE49-F238E27FC236}">
+                <a16:creationId xmlns:a16="http://schemas.microsoft.com/office/drawing/2014/main" id="{10491968-B0F4-8F2B-2EA4-1826F0509889}"/>
+              </a:ext>
+            </a:extLst>
+          </p:cNvPr>
+          <p:cNvPicPr>
+            <a:picLocks noChangeAspect="1"/>
+          </p:cNvPicPr>
+          <p:nvPr/>
+        </p:nvPicPr>
+        <p:blipFill>
+          <a:blip r:embed="rId5"/>
+          <a:stretch>
+            <a:fillRect/>
+          </a:stretch>
+        </p:blipFill>
+        <p:spPr>
+          <a:xfrm>
+            <a:off x="4985770" y="1356749"/>
+            <a:ext cx="3162926" cy="3162926"/>
+          </a:xfrm>
+          <a:prstGeom prst="rect">
+            <a:avLst/>
+          </a:prstGeom>
         </p:spPr>
       </p:pic>
     </p:spTree>
@@ -9613,8 +10082,10 @@
             <a:avLst/>
           </a:prstGeom>
           <a:noFill/>
-          <a:ln>
-            <a:noFill/>
+          <a:ln w="38100">
+            <a:solidFill>
+              <a:schemeClr val="tx1"/>
+            </a:solidFill>
           </a:ln>
         </p:spPr>
       </p:pic>
@@ -9715,36 +10186,6 @@
       </p:sp>
       <p:pic>
         <p:nvPicPr>
-          <p:cNvPr id="3" name="Picture 2">
-            <a:extLst>
-              <a:ext uri="{FF2B5EF4-FFF2-40B4-BE49-F238E27FC236}">
-                <a16:creationId xmlns:a16="http://schemas.microsoft.com/office/drawing/2014/main" id="{5572DC06-7F93-9F3D-B9F8-C18A22050C53}"/>
-              </a:ext>
-            </a:extLst>
-          </p:cNvPr>
-          <p:cNvPicPr>
-            <a:picLocks noChangeAspect="1"/>
-          </p:cNvPicPr>
-          <p:nvPr/>
-        </p:nvPicPr>
-        <p:blipFill>
-          <a:blip r:embed="rId4"/>
-          <a:stretch>
-            <a:fillRect/>
-          </a:stretch>
-        </p:blipFill>
-        <p:spPr>
-          <a:xfrm>
-            <a:off x="6001077" y="1572412"/>
-            <a:ext cx="2456577" cy="2772659"/>
-          </a:xfrm>
-          <a:prstGeom prst="rect">
-            <a:avLst/>
-          </a:prstGeom>
-        </p:spPr>
-      </p:pic>
-      <p:pic>
-        <p:nvPicPr>
           <p:cNvPr id="5" name="Picture 4" descr="A screenshot of a chat&#10;&#10;Description automatically generated">
             <a:extLst>
               <a:ext uri="{FF2B5EF4-FFF2-40B4-BE49-F238E27FC236}">
@@ -9758,14 +10199,14 @@
           <p:nvPr/>
         </p:nvPicPr>
         <p:blipFill>
-          <a:blip r:embed="rId5"/>
+          <a:blip r:embed="rId4"/>
           <a:srcRect t="6805" b="22161"/>
           <a:stretch/>
         </p:blipFill>
         <p:spPr>
           <a:xfrm>
-            <a:off x="3553521" y="991378"/>
-            <a:ext cx="2519664" cy="1632344"/>
+            <a:off x="1619602" y="3026645"/>
+            <a:ext cx="2870622" cy="1487906"/>
           </a:xfrm>
           <a:prstGeom prst="rect">
             <a:avLst/>
@@ -9774,10 +10215,45 @@
       </p:pic>
       <p:pic>
         <p:nvPicPr>
-          <p:cNvPr id="9" name="Picture 8">
+          <p:cNvPr id="4" name="Picture 3" descr="A green and white lock with white text&#10;&#10;Description automatically generated">
             <a:extLst>
               <a:ext uri="{FF2B5EF4-FFF2-40B4-BE49-F238E27FC236}">
-                <a16:creationId xmlns:a16="http://schemas.microsoft.com/office/drawing/2014/main" id="{45FDDBE9-F63F-6D3B-2D58-075D9C234D1B}"/>
+                <a16:creationId xmlns:a16="http://schemas.microsoft.com/office/drawing/2014/main" id="{B116111D-974A-BDF9-96D0-124E4EAF9CAE}"/>
+              </a:ext>
+            </a:extLst>
+          </p:cNvPr>
+          <p:cNvPicPr>
+            <a:picLocks noChangeAspect="1"/>
+          </p:cNvPicPr>
+          <p:nvPr/>
+        </p:nvPicPr>
+        <p:blipFill>
+          <a:blip r:embed="rId5"/>
+          <a:stretch>
+            <a:fillRect/>
+          </a:stretch>
+        </p:blipFill>
+        <p:spPr>
+          <a:xfrm>
+            <a:off x="970315" y="1095958"/>
+            <a:ext cx="3956136" cy="1916253"/>
+          </a:xfrm>
+          <a:prstGeom prst="rect">
+            <a:avLst/>
+          </a:prstGeom>
+          <a:ln w="28575">
+            <a:solidFill>
+              <a:schemeClr val="tx1"/>
+            </a:solidFill>
+          </a:ln>
+        </p:spPr>
+      </p:pic>
+      <p:pic>
+        <p:nvPicPr>
+          <p:cNvPr id="7" name="Picture 6" descr="A white sign with black text&#10;&#10;Description automatically generated">
+            <a:extLst>
+              <a:ext uri="{FF2B5EF4-FFF2-40B4-BE49-F238E27FC236}">
+                <a16:creationId xmlns:a16="http://schemas.microsoft.com/office/drawing/2014/main" id="{50CFB21C-B121-F2EF-262D-70279A8E723E}"/>
               </a:ext>
             </a:extLst>
           </p:cNvPr>
@@ -9788,18 +10264,52 @@
         </p:nvPicPr>
         <p:blipFill>
           <a:blip r:embed="rId6"/>
+          <a:srcRect b="16693"/>
+          <a:stretch/>
+        </p:blipFill>
+        <p:spPr>
+          <a:xfrm>
+            <a:off x="5374888" y="2906700"/>
+            <a:ext cx="2798797" cy="1546354"/>
+          </a:xfrm>
+          <a:prstGeom prst="rect">
+            <a:avLst/>
+          </a:prstGeom>
+        </p:spPr>
+      </p:pic>
+      <p:pic>
+        <p:nvPicPr>
+          <p:cNvPr id="10" name="Picture 9" descr="A screenshot of a chat&#10;&#10;Description automatically generated">
+            <a:extLst>
+              <a:ext uri="{FF2B5EF4-FFF2-40B4-BE49-F238E27FC236}">
+                <a16:creationId xmlns:a16="http://schemas.microsoft.com/office/drawing/2014/main" id="{013B8E90-C8FB-E812-FFE4-2FF9A793222E}"/>
+              </a:ext>
+            </a:extLst>
+          </p:cNvPr>
+          <p:cNvPicPr>
+            <a:picLocks noChangeAspect="1"/>
+          </p:cNvPicPr>
+          <p:nvPr/>
+        </p:nvPicPr>
+        <p:blipFill>
+          <a:blip r:embed="rId7"/>
           <a:stretch>
             <a:fillRect/>
           </a:stretch>
         </p:blipFill>
         <p:spPr>
           <a:xfrm>
-            <a:off x="686346" y="2623722"/>
-            <a:ext cx="3956135" cy="1949064"/>
+            <a:off x="5252432" y="1221019"/>
+            <a:ext cx="3078846" cy="1648731"/>
           </a:xfrm>
           <a:prstGeom prst="rect">
             <a:avLst/>
           </a:prstGeom>
+          <a:ln w="28575">
+            <a:solidFill>
+              <a:schemeClr val="tx1"/>
+            </a:solidFill>
+          </a:ln>
         </p:spPr>
       </p:pic>
     </p:spTree>
